--- a/Share/每周命题游戏设计/葛美玲/医生.pptx
+++ b/Share/每周命题游戏设计/葛美玲/医生.pptx
@@ -14830,7 +14830,7 @@
         <p:spPr>
           <a:xfrm>
             <a:off x="1225117" y="2539013"/>
-            <a:ext cx="7415247" cy="3501343"/>
+            <a:ext cx="7415247" cy="3886064"/>
           </a:xfrm>
           <a:prstGeom prst="rect">
             <a:avLst/>
@@ -14967,7 +14967,19 @@
               <a:rPr lang="zh-CN" altLang="en-US" sz="1400" dirty="0">
                 <a:latin typeface="+mn-ea"/>
               </a:rPr>
-              <a:t>每日结清工资，查看剩余工资 需要付房租水电等费用，还要各种突发事件需要花钱</a:t>
+              <a:t>每日结清</a:t>
+            </a:r>
+            <a:r>
+              <a:rPr lang="zh-CN" altLang="en-US" sz="1400">
+                <a:latin typeface="+mn-ea"/>
+              </a:rPr>
+              <a:t>工资，每治疗一位病人，则获取一定工资，每日结束可查看</a:t>
+            </a:r>
+            <a:r>
+              <a:rPr lang="zh-CN" altLang="en-US" sz="1400" dirty="0">
+                <a:latin typeface="+mn-ea"/>
+              </a:rPr>
+              <a:t>剩余工资 需要付房租水电等费用，还要各种突发事件需要花钱</a:t>
             </a:r>
             <a:r>
               <a:rPr lang="zh-CN" altLang="en-US" sz="1400">
@@ -14975,7 +14987,7 @@
               </a:rPr>
               <a:t>的费用</a:t>
             </a:r>
-            <a:endParaRPr lang="en-US" altLang="zh-CN" sz="1400">
+            <a:endParaRPr lang="en-US" altLang="zh-CN" sz="1400" dirty="0">
               <a:latin typeface="+mn-ea"/>
             </a:endParaRPr>
           </a:p>
